--- a/11. Package Development/Laravel Package Development.pptx
+++ b/11. Package Development/Laravel Package Development.pptx
@@ -229,7 +229,7 @@
             <a:fld id="{0DF9046C-84B7-4047-BA2E-B0333C727CA0}" type="datetimeFigureOut">
               <a:rPr lang="en-US" smtClean="0"/>
               <a:pPr/>
-              <a:t>11/23/23</a:t>
+              <a:t>11/24/23</a:t>
             </a:fld>
             <a:endParaRPr lang="en-US"/>
           </a:p>
@@ -824,7 +824,7 @@
             <a:fld id="{F98B4641-DB92-4816-AC0F-FCAE07F9B854}" type="datetimeFigureOut">
               <a:rPr lang="en-US" smtClean="0"/>
               <a:pPr/>
-              <a:t>11/23/23</a:t>
+              <a:t>11/24/23</a:t>
             </a:fld>
             <a:endParaRPr lang="en-US"/>
           </a:p>
@@ -1042,7 +1042,7 @@
             <a:fld id="{F98B4641-DB92-4816-AC0F-FCAE07F9B854}" type="datetimeFigureOut">
               <a:rPr lang="en-US" smtClean="0"/>
               <a:pPr/>
-              <a:t>11/23/23</a:t>
+              <a:t>11/24/23</a:t>
             </a:fld>
             <a:endParaRPr lang="en-US"/>
           </a:p>
@@ -1315,7 +1315,7 @@
             <a:fld id="{F98B4641-DB92-4816-AC0F-FCAE07F9B854}" type="datetimeFigureOut">
               <a:rPr lang="en-US" smtClean="0"/>
               <a:pPr/>
-              <a:t>11/23/23</a:t>
+              <a:t>11/24/23</a:t>
             </a:fld>
             <a:endParaRPr lang="en-US"/>
           </a:p>
@@ -1508,7 +1508,7 @@
             <a:fld id="{F98B4641-DB92-4816-AC0F-FCAE07F9B854}" type="datetimeFigureOut">
               <a:rPr lang="en-US" smtClean="0"/>
               <a:pPr/>
-              <a:t>11/23/23</a:t>
+              <a:t>11/24/23</a:t>
             </a:fld>
             <a:endParaRPr lang="en-US"/>
           </a:p>
@@ -1863,7 +1863,7 @@
             <a:fld id="{F98B4641-DB92-4816-AC0F-FCAE07F9B854}" type="datetimeFigureOut">
               <a:rPr lang="en-US" smtClean="0"/>
               <a:pPr/>
-              <a:t>11/23/23</a:t>
+              <a:t>11/24/23</a:t>
             </a:fld>
             <a:endParaRPr lang="en-US"/>
           </a:p>
@@ -2149,7 +2149,7 @@
             <a:fld id="{F98B4641-DB92-4816-AC0F-FCAE07F9B854}" type="datetimeFigureOut">
               <a:rPr lang="en-US" smtClean="0"/>
               <a:pPr/>
-              <a:t>11/23/23</a:t>
+              <a:t>11/24/23</a:t>
             </a:fld>
             <a:endParaRPr lang="en-US"/>
           </a:p>
@@ -2572,7 +2572,7 @@
             <a:fld id="{F98B4641-DB92-4816-AC0F-FCAE07F9B854}" type="datetimeFigureOut">
               <a:rPr lang="en-US" smtClean="0"/>
               <a:pPr/>
-              <a:t>11/23/23</a:t>
+              <a:t>11/24/23</a:t>
             </a:fld>
             <a:endParaRPr lang="en-US"/>
           </a:p>
@@ -2686,7 +2686,7 @@
             <a:fld id="{F98B4641-DB92-4816-AC0F-FCAE07F9B854}" type="datetimeFigureOut">
               <a:rPr lang="en-US" smtClean="0"/>
               <a:pPr/>
-              <a:t>11/23/23</a:t>
+              <a:t>11/24/23</a:t>
             </a:fld>
             <a:endParaRPr lang="en-US"/>
           </a:p>
@@ -2778,7 +2778,7 @@
             <a:fld id="{F98B4641-DB92-4816-AC0F-FCAE07F9B854}" type="datetimeFigureOut">
               <a:rPr lang="en-US" smtClean="0"/>
               <a:pPr/>
-              <a:t>11/23/23</a:t>
+              <a:t>11/24/23</a:t>
             </a:fld>
             <a:endParaRPr lang="en-US"/>
           </a:p>
@@ -3057,7 +3057,7 @@
             <a:fld id="{F98B4641-DB92-4816-AC0F-FCAE07F9B854}" type="datetimeFigureOut">
               <a:rPr lang="en-US" smtClean="0"/>
               <a:pPr/>
-              <a:t>11/23/23</a:t>
+              <a:t>11/24/23</a:t>
             </a:fld>
             <a:endParaRPr lang="en-US"/>
           </a:p>
@@ -3420,7 +3420,7 @@
             <a:fld id="{F98B4641-DB92-4816-AC0F-FCAE07F9B854}" type="datetimeFigureOut">
               <a:rPr lang="en-US" smtClean="0"/>
               <a:pPr/>
-              <a:t>11/23/23</a:t>
+              <a:t>11/24/23</a:t>
             </a:fld>
             <a:endParaRPr lang="en-US"/>
           </a:p>
@@ -3845,7 +3845,7 @@
             <a:fld id="{F98B4641-DB92-4816-AC0F-FCAE07F9B854}" type="datetimeFigureOut">
               <a:rPr lang="en-US" smtClean="0"/>
               <a:pPr/>
-              <a:t>11/23/23</a:t>
+              <a:t>11/24/23</a:t>
             </a:fld>
             <a:endParaRPr lang="en-US"/>
           </a:p>
@@ -4790,7 +4790,7 @@
             </a:br>
             <a:r>
               <a:rPr lang="en-MY" dirty="0"/>
-              <a:t>Route::get(‘calc', function(){</a:t>
+              <a:t>Route::get('calc', function(){</a:t>
             </a:r>
           </a:p>
           <a:p>
@@ -5536,7 +5536,11 @@
             </a:pPr>
             <a:r>
               <a:rPr lang="en-US" dirty="0"/>
-              <a:t>     -&gt;make(‘</a:t>
+              <a:t>     -&gt;make(</a:t>
+            </a:r>
+            <a:r>
+              <a:rPr lang="en-MY" dirty="0"/>
+              <a:t>'</a:t>
             </a:r>
             <a:r>
               <a:rPr lang="en-US" dirty="0" err="1"/>
@@ -5685,7 +5689,7 @@
             </a:pPr>
             <a:r>
               <a:rPr lang="en-MY" dirty="0"/>
-              <a:t>Route::get('add/{a}/{b}’,</a:t>
+              <a:t>Route::get('add/{a}/{b}',</a:t>
             </a:r>
           </a:p>
           <a:p>
@@ -5710,7 +5714,7 @@
             </a:r>
             <a:r>
               <a:rPr lang="en-MY" dirty="0"/>
-              <a:t>’);</a:t>
+              <a:t>');</a:t>
             </a:r>
           </a:p>
           <a:p>
@@ -5725,7 +5729,7 @@
             </a:pPr>
             <a:r>
               <a:rPr lang="en-MY" dirty="0"/>
-              <a:t>Route::get('subtract/{a}/{b}’,</a:t>
+              <a:t>Route::get('subtract/{a}/{b}',</a:t>
             </a:r>
           </a:p>
           <a:p>
@@ -5847,15 +5851,15 @@
           <a:p>
             <a:r>
               <a:rPr lang="en-MY" dirty="0"/>
-              <a:t>Create a new file </a:t>
-            </a:r>
-            <a:r>
-              <a:rPr lang="en-MY" dirty="0" err="1"/>
-              <a:t>ini</a:t>
-            </a:r>
-            <a:r>
-              <a:rPr lang="en-MY" dirty="0"/>
-              <a:t> packages/</a:t>
+              <a:t>Create a new </a:t>
+            </a:r>
+            <a:r>
+              <a:rPr lang="en-MY"/>
+              <a:t>file in </a:t>
+            </a:r>
+            <a:r>
+              <a:rPr lang="en-MY" dirty="0"/>
+              <a:t>packages/</a:t>
             </a:r>
             <a:r>
               <a:rPr lang="en-MY" dirty="0" err="1"/>
@@ -6111,7 +6115,11 @@
             </a:pPr>
             <a:r>
               <a:rPr lang="en-US" dirty="0"/>
-              <a:t>     -&gt;make(‘</a:t>
+              <a:t>     -&gt;make(</a:t>
+            </a:r>
+            <a:r>
+              <a:rPr lang="en-MY" dirty="0"/>
+              <a:t>'</a:t>
             </a:r>
             <a:r>
               <a:rPr lang="en-US" dirty="0" err="1"/>
@@ -7399,7 +7407,7 @@
             </a:pPr>
             <a:r>
               <a:rPr lang="en-MY" dirty="0"/>
-              <a:t>        ”</a:t>
+              <a:t> 	"</a:t>
             </a:r>
             <a:r>
               <a:rPr lang="en-MY" dirty="0" err="1"/>
